--- a/PT/First/First PT.pptx
+++ b/PT/First/First PT.pptx
@@ -231,7 +231,7 @@
           <a:p>
             <a:fld id="{ED118ABC-DFCE-42BF-ABE4-35F5075277A4}" type="datetimeFigureOut">
               <a:rPr lang="ko-KR" altLang="en-US" smtClean="0"/>
-              <a:t>2021-09-26</a:t>
+              <a:t>2021-12-09</a:t>
             </a:fld>
             <a:endParaRPr lang="ko-KR" altLang="en-US"/>
           </a:p>
@@ -769,7 +769,7 @@
           <a:p>
             <a:fld id="{4F2694F4-2CC2-4BB2-BB28-B0A0BECC3EA7}" type="datetime1">
               <a:rPr lang="ko-KR" altLang="en-US" smtClean="0"/>
-              <a:t>2021-09-26</a:t>
+              <a:t>2021-12-09</a:t>
             </a:fld>
             <a:endParaRPr lang="ko-KR" altLang="en-US"/>
           </a:p>
@@ -971,7 +971,7 @@
           <a:p>
             <a:fld id="{082810B7-697F-41C3-A70E-0A3AC5C4B5C1}" type="datetime1">
               <a:rPr lang="ko-KR" altLang="en-US" smtClean="0"/>
-              <a:t>2021-09-26</a:t>
+              <a:t>2021-12-09</a:t>
             </a:fld>
             <a:endParaRPr lang="ko-KR" altLang="en-US"/>
           </a:p>
@@ -1163,7 +1163,7 @@
           <a:p>
             <a:fld id="{EE88A3DD-C331-4436-813E-65E9B191E848}" type="datetime1">
               <a:rPr lang="ko-KR" altLang="en-US" smtClean="0"/>
-              <a:t>2021-09-26</a:t>
+              <a:t>2021-12-09</a:t>
             </a:fld>
             <a:endParaRPr lang="ko-KR" altLang="en-US"/>
           </a:p>
@@ -1432,7 +1432,7 @@
           <a:p>
             <a:fld id="{3BC8B990-D885-4235-AFFF-1B10C3EC160B}" type="datetime1">
               <a:rPr lang="ko-KR" altLang="en-US" smtClean="0"/>
-              <a:t>2021-09-26</a:t>
+              <a:t>2021-12-09</a:t>
             </a:fld>
             <a:endParaRPr lang="ko-KR" altLang="en-US"/>
           </a:p>
@@ -1685,7 +1685,7 @@
           <a:p>
             <a:fld id="{5C8E70FC-1B93-4803-9EB5-67BD12DB60C2}" type="datetime1">
               <a:rPr lang="ko-KR" altLang="en-US" smtClean="0"/>
-              <a:t>2021-09-26</a:t>
+              <a:t>2021-12-09</a:t>
             </a:fld>
             <a:endParaRPr lang="ko-KR" altLang="en-US"/>
           </a:p>
@@ -2073,7 +2073,7 @@
           <a:p>
             <a:fld id="{B7A360E5-E93B-467F-B21B-6399C82DDCB8}" type="datetime1">
               <a:rPr lang="ko-KR" altLang="en-US" smtClean="0"/>
-              <a:t>2021-09-26</a:t>
+              <a:t>2021-12-09</a:t>
             </a:fld>
             <a:endParaRPr lang="ko-KR" altLang="en-US"/>
           </a:p>
@@ -2214,7 +2214,7 @@
           <a:p>
             <a:fld id="{2EF65C31-6157-4595-BD0E-3D079089B875}" type="datetime1">
               <a:rPr lang="ko-KR" altLang="en-US" smtClean="0"/>
-              <a:t>2021-09-26</a:t>
+              <a:t>2021-12-09</a:t>
             </a:fld>
             <a:endParaRPr lang="ko-KR" altLang="en-US"/>
           </a:p>
@@ -2333,7 +2333,7 @@
           <a:p>
             <a:fld id="{FB3F61DB-DC05-4573-8D69-54831F1A475C}" type="datetime1">
               <a:rPr lang="ko-KR" altLang="en-US" smtClean="0"/>
-              <a:t>2021-09-26</a:t>
+              <a:t>2021-12-09</a:t>
             </a:fld>
             <a:endParaRPr lang="ko-KR" altLang="en-US"/>
           </a:p>
@@ -2632,7 +2632,7 @@
           <a:p>
             <a:fld id="{699C14D8-036C-4C43-AAE6-1EA31DCC0506}" type="datetime1">
               <a:rPr lang="ko-KR" altLang="en-US" smtClean="0"/>
-              <a:t>2021-09-26</a:t>
+              <a:t>2021-12-09</a:t>
             </a:fld>
             <a:endParaRPr lang="ko-KR" altLang="en-US"/>
           </a:p>
@@ -2908,7 +2908,7 @@
           <a:p>
             <a:fld id="{B06A2375-3158-4407-905C-5ADB203C8D4C}" type="datetime1">
               <a:rPr lang="ko-KR" altLang="en-US" smtClean="0"/>
-              <a:t>2021-09-26</a:t>
+              <a:t>2021-12-09</a:t>
             </a:fld>
             <a:endParaRPr lang="ko-KR" altLang="en-US"/>
           </a:p>
